--- a/25 - Come Thou Fount.pptx
+++ b/25 - Come Thou Fount.pptx
@@ -114,10 +114,6 @@
 </p:presentation>
 </file>
 
-<file path=ppt/revisionInfo.xml><?xml version="1.0" encoding="utf-8"?>
-<p1510:revInfo xmlns:a="http://schemas.openxmlformats.org/drawingml/2006/main" xmlns:r="http://schemas.openxmlformats.org/officeDocument/2006/relationships" xmlns:p1510="http://schemas.microsoft.com/office/powerpoint/2015/10/main"/>
-</file>
-
 <file path=ppt/slideLayouts/slideLayout1.xml><?xml version="1.0" encoding="utf-8"?>
 <p:sldLayout xmlns:a="http://schemas.openxmlformats.org/drawingml/2006/main" xmlns:r="http://schemas.openxmlformats.org/officeDocument/2006/relationships" xmlns:p="http://schemas.openxmlformats.org/presentationml/2006/main" type="title" preserve="1">
   <p:cSld name="Title Slide">
@@ -247,7 +243,7 @@
           <a:p>
             <a:fld id="{32F7251A-AE54-443C-B8FE-5F636E835EBF}" type="datetimeFigureOut">
               <a:rPr lang="en-US" smtClean="0"/>
-              <a:t>8/12/2017</a:t>
+              <a:t>8/2/2020</a:t>
             </a:fld>
             <a:endParaRPr lang="en-US"/>
           </a:p>
@@ -415,7 +411,7 @@
           <a:p>
             <a:fld id="{32F7251A-AE54-443C-B8FE-5F636E835EBF}" type="datetimeFigureOut">
               <a:rPr lang="en-US" smtClean="0"/>
-              <a:t>8/12/2017</a:t>
+              <a:t>8/2/2020</a:t>
             </a:fld>
             <a:endParaRPr lang="en-US"/>
           </a:p>
@@ -593,7 +589,7 @@
           <a:p>
             <a:fld id="{32F7251A-AE54-443C-B8FE-5F636E835EBF}" type="datetimeFigureOut">
               <a:rPr lang="en-US" smtClean="0"/>
-              <a:t>8/12/2017</a:t>
+              <a:t>8/2/2020</a:t>
             </a:fld>
             <a:endParaRPr lang="en-US"/>
           </a:p>
@@ -761,7 +757,7 @@
           <a:p>
             <a:fld id="{32F7251A-AE54-443C-B8FE-5F636E835EBF}" type="datetimeFigureOut">
               <a:rPr lang="en-US" smtClean="0"/>
-              <a:t>8/12/2017</a:t>
+              <a:t>8/2/2020</a:t>
             </a:fld>
             <a:endParaRPr lang="en-US"/>
           </a:p>
@@ -1006,7 +1002,7 @@
           <a:p>
             <a:fld id="{32F7251A-AE54-443C-B8FE-5F636E835EBF}" type="datetimeFigureOut">
               <a:rPr lang="en-US" smtClean="0"/>
-              <a:t>8/12/2017</a:t>
+              <a:t>8/2/2020</a:t>
             </a:fld>
             <a:endParaRPr lang="en-US"/>
           </a:p>
@@ -1235,7 +1231,7 @@
           <a:p>
             <a:fld id="{32F7251A-AE54-443C-B8FE-5F636E835EBF}" type="datetimeFigureOut">
               <a:rPr lang="en-US" smtClean="0"/>
-              <a:t>8/12/2017</a:t>
+              <a:t>8/2/2020</a:t>
             </a:fld>
             <a:endParaRPr lang="en-US"/>
           </a:p>
@@ -1599,7 +1595,7 @@
           <a:p>
             <a:fld id="{32F7251A-AE54-443C-B8FE-5F636E835EBF}" type="datetimeFigureOut">
               <a:rPr lang="en-US" smtClean="0"/>
-              <a:t>8/12/2017</a:t>
+              <a:t>8/2/2020</a:t>
             </a:fld>
             <a:endParaRPr lang="en-US"/>
           </a:p>
@@ -1716,7 +1712,7 @@
           <a:p>
             <a:fld id="{32F7251A-AE54-443C-B8FE-5F636E835EBF}" type="datetimeFigureOut">
               <a:rPr lang="en-US" smtClean="0"/>
-              <a:t>8/12/2017</a:t>
+              <a:t>8/2/2020</a:t>
             </a:fld>
             <a:endParaRPr lang="en-US"/>
           </a:p>
@@ -1811,7 +1807,7 @@
           <a:p>
             <a:fld id="{32F7251A-AE54-443C-B8FE-5F636E835EBF}" type="datetimeFigureOut">
               <a:rPr lang="en-US" smtClean="0"/>
-              <a:t>8/12/2017</a:t>
+              <a:t>8/2/2020</a:t>
             </a:fld>
             <a:endParaRPr lang="en-US"/>
           </a:p>
@@ -2086,7 +2082,7 @@
           <a:p>
             <a:fld id="{32F7251A-AE54-443C-B8FE-5F636E835EBF}" type="datetimeFigureOut">
               <a:rPr lang="en-US" smtClean="0"/>
-              <a:t>8/12/2017</a:t>
+              <a:t>8/2/2020</a:t>
             </a:fld>
             <a:endParaRPr lang="en-US"/>
           </a:p>
@@ -2338,7 +2334,7 @@
           <a:p>
             <a:fld id="{32F7251A-AE54-443C-B8FE-5F636E835EBF}" type="datetimeFigureOut">
               <a:rPr lang="en-US" smtClean="0"/>
-              <a:t>8/12/2017</a:t>
+              <a:t>8/2/2020</a:t>
             </a:fld>
             <a:endParaRPr lang="en-US"/>
           </a:p>
@@ -2405,7 +2401,9 @@
     <p:bg>
       <p:bgPr>
         <a:solidFill>
-          <a:srgbClr val="333333"/>
+          <a:schemeClr val="bg1">
+            <a:lumMod val="10000"/>
+          </a:schemeClr>
         </a:solidFill>
         <a:effectLst/>
       </p:bgPr>
@@ -2552,7 +2550,7 @@
           <a:p>
             <a:fld id="{32F7251A-AE54-443C-B8FE-5F636E835EBF}" type="datetimeFigureOut">
               <a:rPr lang="en-US" smtClean="0"/>
-              <a:t>8/12/2017</a:t>
+              <a:t>8/2/2020</a:t>
             </a:fld>
             <a:endParaRPr lang="en-US"/>
           </a:p>
@@ -3022,8 +3020,8 @@
         </p:nvSpPr>
         <p:spPr>
           <a:xfrm>
-            <a:off x="0" y="5804209"/>
-            <a:ext cx="12192000" cy="830997"/>
+            <a:off x="0" y="5927320"/>
+            <a:ext cx="12192000" cy="584775"/>
           </a:xfrm>
           <a:prstGeom prst="rect">
             <a:avLst/>
@@ -3038,10 +3036,12 @@
           <a:p>
             <a:pPr algn="ctr"/>
             <a:r>
-              <a:rPr lang="en-US" sz="4800" dirty="0">
+              <a:rPr lang="en-US" sz="3200" u="sng" dirty="0">
                 <a:solidFill>
                   <a:schemeClr val="bg1"/>
                 </a:solidFill>
+                <a:latin typeface="Assistant SemiBold" panose="00000700000000000000" pitchFamily="2" charset="-79"/>
+                <a:cs typeface="Assistant SemiBold" panose="00000700000000000000" pitchFamily="2" charset="-79"/>
               </a:rPr>
               <a:t>“Come, Thou Fount of Every Blessing”</a:t>
             </a:r>
@@ -3056,8 +3056,8 @@
         </p:nvSpPr>
         <p:spPr>
           <a:xfrm>
-            <a:off x="0" y="282279"/>
-            <a:ext cx="12192000" cy="5078313"/>
+            <a:off x="0" y="729571"/>
+            <a:ext cx="12192000" cy="3970318"/>
           </a:xfrm>
           <a:prstGeom prst="rect">
             <a:avLst/>
@@ -3072,10 +3072,12 @@
           <a:p>
             <a:pPr algn="ctr"/>
             <a:r>
-              <a:rPr lang="en-US" sz="3600" dirty="0">
+              <a:rPr lang="en-US" sz="2800" spc="50" dirty="0">
                 <a:solidFill>
                   <a:schemeClr val="bg1"/>
                 </a:solidFill>
+                <a:latin typeface="Assistant" panose="00000500000000000000" pitchFamily="2" charset="-79"/>
+                <a:cs typeface="Assistant" panose="00000500000000000000" pitchFamily="2" charset="-79"/>
               </a:rPr>
               <a:t>Come, Thou Fount of every blessing</a:t>
             </a:r>
@@ -3083,10 +3085,12 @@
           <a:p>
             <a:pPr algn="ctr"/>
             <a:r>
-              <a:rPr lang="en-US" sz="3600" dirty="0">
+              <a:rPr lang="en-US" sz="2800" spc="50" dirty="0">
                 <a:solidFill>
                   <a:schemeClr val="bg1"/>
                 </a:solidFill>
+                <a:latin typeface="Assistant" panose="00000500000000000000" pitchFamily="2" charset="-79"/>
+                <a:cs typeface="Assistant" panose="00000500000000000000" pitchFamily="2" charset="-79"/>
               </a:rPr>
               <a:t>Tune my heart to sing Thy grace;</a:t>
             </a:r>
@@ -3094,10 +3098,12 @@
           <a:p>
             <a:pPr algn="ctr"/>
             <a:r>
-              <a:rPr lang="en-US" sz="3600" dirty="0">
+              <a:rPr lang="en-US" sz="2800" spc="50" dirty="0">
                 <a:solidFill>
                   <a:schemeClr val="bg1"/>
                 </a:solidFill>
+                <a:latin typeface="Assistant" panose="00000500000000000000" pitchFamily="2" charset="-79"/>
+                <a:cs typeface="Assistant" panose="00000500000000000000" pitchFamily="2" charset="-79"/>
               </a:rPr>
               <a:t>Streams of mercy never ceasing</a:t>
             </a:r>
@@ -3105,29 +3111,35 @@
           <a:p>
             <a:pPr algn="ctr"/>
             <a:r>
-              <a:rPr lang="en-US" sz="3600" dirty="0">
+              <a:rPr lang="en-US" sz="2800" spc="50" dirty="0">
                 <a:solidFill>
                   <a:schemeClr val="bg1"/>
                 </a:solidFill>
+                <a:latin typeface="Assistant" panose="00000500000000000000" pitchFamily="2" charset="-79"/>
+                <a:cs typeface="Assistant" panose="00000500000000000000" pitchFamily="2" charset="-79"/>
               </a:rPr>
               <a:t>Call for songs of loudest praise.</a:t>
             </a:r>
           </a:p>
           <a:p>
             <a:pPr algn="ctr"/>
-            <a:endParaRPr lang="en-US" sz="3600" dirty="0">
+            <a:endParaRPr lang="en-US" sz="2800" spc="50" dirty="0">
               <a:solidFill>
                 <a:schemeClr val="bg1"/>
               </a:solidFill>
+              <a:latin typeface="Assistant" panose="00000500000000000000" pitchFamily="2" charset="-79"/>
+              <a:cs typeface="Assistant" panose="00000500000000000000" pitchFamily="2" charset="-79"/>
             </a:endParaRPr>
           </a:p>
           <a:p>
             <a:pPr algn="ctr"/>
             <a:r>
-              <a:rPr lang="en-US" sz="3600" dirty="0">
+              <a:rPr lang="en-US" sz="2800" spc="50" dirty="0">
                 <a:solidFill>
                   <a:schemeClr val="bg1"/>
                 </a:solidFill>
+                <a:latin typeface="Assistant" panose="00000500000000000000" pitchFamily="2" charset="-79"/>
+                <a:cs typeface="Assistant" panose="00000500000000000000" pitchFamily="2" charset="-79"/>
               </a:rPr>
               <a:t>Teach me some melodious sonnet</a:t>
             </a:r>
@@ -3135,10 +3147,12 @@
           <a:p>
             <a:pPr algn="ctr"/>
             <a:r>
-              <a:rPr lang="en-US" sz="3600" dirty="0">
+              <a:rPr lang="en-US" sz="2800" spc="50" dirty="0">
                 <a:solidFill>
                   <a:schemeClr val="bg1"/>
                 </a:solidFill>
+                <a:latin typeface="Assistant" panose="00000500000000000000" pitchFamily="2" charset="-79"/>
+                <a:cs typeface="Assistant" panose="00000500000000000000" pitchFamily="2" charset="-79"/>
               </a:rPr>
               <a:t>Sung by flaming tongues above.</a:t>
             </a:r>
@@ -3146,10 +3160,12 @@
           <a:p>
             <a:pPr algn="ctr"/>
             <a:r>
-              <a:rPr lang="en-US" sz="3600" dirty="0">
+              <a:rPr lang="en-US" sz="2800" spc="50" dirty="0">
                 <a:solidFill>
                   <a:schemeClr val="bg1"/>
                 </a:solidFill>
+                <a:latin typeface="Assistant" panose="00000500000000000000" pitchFamily="2" charset="-79"/>
+                <a:cs typeface="Assistant" panose="00000500000000000000" pitchFamily="2" charset="-79"/>
               </a:rPr>
               <a:t>Praise the mount– I’m fixed upon it;</a:t>
             </a:r>
@@ -3157,10 +3173,12 @@
           <a:p>
             <a:pPr algn="ctr"/>
             <a:r>
-              <a:rPr lang="en-US" sz="3600" dirty="0">
+              <a:rPr lang="en-US" sz="2800" spc="50" dirty="0">
                 <a:solidFill>
                   <a:schemeClr val="bg1"/>
                 </a:solidFill>
+                <a:latin typeface="Assistant" panose="00000500000000000000" pitchFamily="2" charset="-79"/>
+                <a:cs typeface="Assistant" panose="00000500000000000000" pitchFamily="2" charset="-79"/>
               </a:rPr>
               <a:t>Mount of Thy redeeming love.</a:t>
             </a:r>
@@ -3262,8 +3280,8 @@
         </p:nvSpPr>
         <p:spPr>
           <a:xfrm>
-            <a:off x="0" y="5804209"/>
-            <a:ext cx="12192000" cy="830997"/>
+            <a:off x="0" y="5927320"/>
+            <a:ext cx="12192000" cy="584775"/>
           </a:xfrm>
           <a:prstGeom prst="rect">
             <a:avLst/>
@@ -3278,10 +3296,12 @@
           <a:p>
             <a:pPr algn="ctr"/>
             <a:r>
-              <a:rPr lang="en-US" sz="4800" dirty="0">
+              <a:rPr lang="en-US" sz="3200" u="sng" dirty="0">
                 <a:solidFill>
                   <a:schemeClr val="bg1"/>
                 </a:solidFill>
+                <a:latin typeface="Assistant SemiBold" panose="00000700000000000000" pitchFamily="2" charset="-79"/>
+                <a:cs typeface="Assistant SemiBold" panose="00000700000000000000" pitchFamily="2" charset="-79"/>
               </a:rPr>
               <a:t>“Come, Thou Fount of Every Blessing”</a:t>
             </a:r>
@@ -3296,8 +3316,8 @@
         </p:nvSpPr>
         <p:spPr>
           <a:xfrm>
-            <a:off x="0" y="282279"/>
-            <a:ext cx="12192000" cy="5078313"/>
+            <a:off x="0" y="729571"/>
+            <a:ext cx="12192000" cy="3970318"/>
           </a:xfrm>
           <a:prstGeom prst="rect">
             <a:avLst/>
@@ -3312,10 +3332,12 @@
           <a:p>
             <a:pPr algn="ctr"/>
             <a:r>
-              <a:rPr lang="en-US" sz="3600" dirty="0">
+              <a:rPr lang="en-US" sz="2800" spc="50" dirty="0">
                 <a:solidFill>
                   <a:schemeClr val="bg1"/>
                 </a:solidFill>
+                <a:latin typeface="Assistant" panose="00000500000000000000" pitchFamily="2" charset="-79"/>
+                <a:cs typeface="Assistant" panose="00000500000000000000" pitchFamily="2" charset="-79"/>
               </a:rPr>
               <a:t>Here I raise mine Ebenezer </a:t>
             </a:r>
@@ -3323,10 +3345,12 @@
           <a:p>
             <a:pPr algn="ctr"/>
             <a:r>
-              <a:rPr lang="en-US" sz="3600" dirty="0">
+              <a:rPr lang="en-US" sz="2800" spc="50" dirty="0">
                 <a:solidFill>
                   <a:schemeClr val="bg1"/>
                 </a:solidFill>
+                <a:latin typeface="Assistant" panose="00000500000000000000" pitchFamily="2" charset="-79"/>
+                <a:cs typeface="Assistant" panose="00000500000000000000" pitchFamily="2" charset="-79"/>
               </a:rPr>
               <a:t>Hither by Thy help I'm come,</a:t>
             </a:r>
@@ -3334,10 +3358,12 @@
           <a:p>
             <a:pPr algn="ctr"/>
             <a:r>
-              <a:rPr lang="en-US" sz="3600" dirty="0">
+              <a:rPr lang="en-US" sz="2800" spc="50" dirty="0">
                 <a:solidFill>
                   <a:schemeClr val="bg1"/>
                 </a:solidFill>
+                <a:latin typeface="Assistant" panose="00000500000000000000" pitchFamily="2" charset="-79"/>
+                <a:cs typeface="Assistant" panose="00000500000000000000" pitchFamily="2" charset="-79"/>
               </a:rPr>
               <a:t>And I hope, by thy good pleasure, </a:t>
             </a:r>
@@ -3345,29 +3371,35 @@
           <a:p>
             <a:pPr algn="ctr"/>
             <a:r>
-              <a:rPr lang="en-US" sz="3600" dirty="0">
+              <a:rPr lang="en-US" sz="2800" spc="50" dirty="0">
                 <a:solidFill>
                   <a:schemeClr val="bg1"/>
                 </a:solidFill>
+                <a:latin typeface="Assistant" panose="00000500000000000000" pitchFamily="2" charset="-79"/>
+                <a:cs typeface="Assistant" panose="00000500000000000000" pitchFamily="2" charset="-79"/>
               </a:rPr>
               <a:t>Safely to arrive at home.</a:t>
             </a:r>
           </a:p>
           <a:p>
             <a:pPr algn="ctr"/>
-            <a:endParaRPr lang="en-US" sz="3600" dirty="0">
+            <a:endParaRPr lang="en-US" sz="2800" spc="50" dirty="0">
               <a:solidFill>
                 <a:schemeClr val="bg1"/>
               </a:solidFill>
+              <a:latin typeface="Assistant" panose="00000500000000000000" pitchFamily="2" charset="-79"/>
+              <a:cs typeface="Assistant" panose="00000500000000000000" pitchFamily="2" charset="-79"/>
             </a:endParaRPr>
           </a:p>
           <a:p>
             <a:pPr algn="ctr"/>
             <a:r>
-              <a:rPr lang="en-US" sz="3600" dirty="0">
+              <a:rPr lang="en-US" sz="2800" spc="50" dirty="0">
                 <a:solidFill>
                   <a:schemeClr val="bg1"/>
                 </a:solidFill>
+                <a:latin typeface="Assistant" panose="00000500000000000000" pitchFamily="2" charset="-79"/>
+                <a:cs typeface="Assistant" panose="00000500000000000000" pitchFamily="2" charset="-79"/>
               </a:rPr>
               <a:t>Jesus sought me when a stranger-- </a:t>
             </a:r>
@@ -3375,10 +3407,12 @@
           <a:p>
             <a:pPr algn="ctr"/>
             <a:r>
-              <a:rPr lang="en-US" sz="3600" dirty="0">
+              <a:rPr lang="en-US" sz="2800" spc="50" dirty="0">
                 <a:solidFill>
                   <a:schemeClr val="bg1"/>
                 </a:solidFill>
+                <a:latin typeface="Assistant" panose="00000500000000000000" pitchFamily="2" charset="-79"/>
+                <a:cs typeface="Assistant" panose="00000500000000000000" pitchFamily="2" charset="-79"/>
               </a:rPr>
               <a:t>Wandering from the fold of God;</a:t>
             </a:r>
@@ -3386,10 +3420,12 @@
           <a:p>
             <a:pPr algn="ctr"/>
             <a:r>
-              <a:rPr lang="en-US" sz="3600" dirty="0">
+              <a:rPr lang="en-US" sz="2800" spc="50" dirty="0">
                 <a:solidFill>
                   <a:schemeClr val="bg1"/>
                 </a:solidFill>
+                <a:latin typeface="Assistant" panose="00000500000000000000" pitchFamily="2" charset="-79"/>
+                <a:cs typeface="Assistant" panose="00000500000000000000" pitchFamily="2" charset="-79"/>
               </a:rPr>
               <a:t>He, to rescue me from danger, </a:t>
             </a:r>
@@ -3397,10 +3433,12 @@
           <a:p>
             <a:pPr algn="ctr"/>
             <a:r>
-              <a:rPr lang="en-US" sz="3600" dirty="0">
+              <a:rPr lang="en-US" sz="2800" spc="50" dirty="0">
                 <a:solidFill>
                   <a:schemeClr val="bg1"/>
                 </a:solidFill>
+                <a:latin typeface="Assistant" panose="00000500000000000000" pitchFamily="2" charset="-79"/>
+                <a:cs typeface="Assistant" panose="00000500000000000000" pitchFamily="2" charset="-79"/>
               </a:rPr>
               <a:t>Interposed His precious blood.</a:t>
             </a:r>
@@ -3502,8 +3540,8 @@
         </p:nvSpPr>
         <p:spPr>
           <a:xfrm>
-            <a:off x="0" y="5804209"/>
-            <a:ext cx="12192000" cy="830997"/>
+            <a:off x="0" y="5927320"/>
+            <a:ext cx="12192000" cy="584775"/>
           </a:xfrm>
           <a:prstGeom prst="rect">
             <a:avLst/>
@@ -3518,10 +3556,12 @@
           <a:p>
             <a:pPr algn="ctr"/>
             <a:r>
-              <a:rPr lang="en-US" sz="4800" dirty="0">
+              <a:rPr lang="en-US" sz="3200" u="sng" dirty="0">
                 <a:solidFill>
                   <a:schemeClr val="bg1"/>
                 </a:solidFill>
+                <a:latin typeface="Assistant SemiBold" panose="00000700000000000000" pitchFamily="2" charset="-79"/>
+                <a:cs typeface="Assistant SemiBold" panose="00000700000000000000" pitchFamily="2" charset="-79"/>
               </a:rPr>
               <a:t>“Come, Thou Fount of Every Blessing”</a:t>
             </a:r>
@@ -3536,8 +3576,8 @@
         </p:nvSpPr>
         <p:spPr>
           <a:xfrm>
-            <a:off x="0" y="282279"/>
-            <a:ext cx="12192000" cy="5078313"/>
+            <a:off x="0" y="729571"/>
+            <a:ext cx="12192000" cy="3970318"/>
           </a:xfrm>
           <a:prstGeom prst="rect">
             <a:avLst/>
@@ -3552,10 +3592,12 @@
           <a:p>
             <a:pPr algn="ctr"/>
             <a:r>
-              <a:rPr lang="en-US" sz="3600" dirty="0">
+              <a:rPr lang="en-US" sz="2800" spc="50" dirty="0">
                 <a:solidFill>
                   <a:schemeClr val="bg1"/>
                 </a:solidFill>
+                <a:latin typeface="Assistant" panose="00000500000000000000" pitchFamily="2" charset="-79"/>
+                <a:cs typeface="Assistant" panose="00000500000000000000" pitchFamily="2" charset="-79"/>
               </a:rPr>
               <a:t>Oh, to grace how great a debtor </a:t>
             </a:r>
@@ -3563,10 +3605,12 @@
           <a:p>
             <a:pPr algn="ctr"/>
             <a:r>
-              <a:rPr lang="en-US" sz="3600" dirty="0">
+              <a:rPr lang="en-US" sz="2800" spc="50" dirty="0">
                 <a:solidFill>
                   <a:schemeClr val="bg1"/>
                 </a:solidFill>
+                <a:latin typeface="Assistant" panose="00000500000000000000" pitchFamily="2" charset="-79"/>
+                <a:cs typeface="Assistant" panose="00000500000000000000" pitchFamily="2" charset="-79"/>
               </a:rPr>
               <a:t>Daily I'm constrained to be,</a:t>
             </a:r>
@@ -3574,10 +3618,12 @@
           <a:p>
             <a:pPr algn="ctr"/>
             <a:r>
-              <a:rPr lang="en-US" sz="3600" dirty="0">
+              <a:rPr lang="en-US" sz="2800" spc="50" dirty="0">
                 <a:solidFill>
                   <a:schemeClr val="bg1"/>
                 </a:solidFill>
+                <a:latin typeface="Assistant" panose="00000500000000000000" pitchFamily="2" charset="-79"/>
+                <a:cs typeface="Assistant" panose="00000500000000000000" pitchFamily="2" charset="-79"/>
               </a:rPr>
               <a:t>Let Thy goodness like a fetter </a:t>
             </a:r>
@@ -3585,29 +3631,35 @@
           <a:p>
             <a:pPr algn="ctr"/>
             <a:r>
-              <a:rPr lang="en-US" sz="3600" dirty="0">
+              <a:rPr lang="en-US" sz="2800" spc="50" dirty="0">
                 <a:solidFill>
                   <a:schemeClr val="bg1"/>
                 </a:solidFill>
+                <a:latin typeface="Assistant" panose="00000500000000000000" pitchFamily="2" charset="-79"/>
+                <a:cs typeface="Assistant" panose="00000500000000000000" pitchFamily="2" charset="-79"/>
               </a:rPr>
               <a:t>Bind my wandering heart to Thee.</a:t>
             </a:r>
           </a:p>
           <a:p>
             <a:pPr algn="ctr"/>
-            <a:endParaRPr lang="en-US" sz="3600" dirty="0">
+            <a:endParaRPr lang="en-US" sz="2800" spc="50" dirty="0">
               <a:solidFill>
                 <a:schemeClr val="bg1"/>
               </a:solidFill>
+              <a:latin typeface="Assistant" panose="00000500000000000000" pitchFamily="2" charset="-79"/>
+              <a:cs typeface="Assistant" panose="00000500000000000000" pitchFamily="2" charset="-79"/>
             </a:endParaRPr>
           </a:p>
           <a:p>
             <a:pPr algn="ctr"/>
             <a:r>
-              <a:rPr lang="en-US" sz="3600" dirty="0">
+              <a:rPr lang="en-US" sz="2800" spc="50" dirty="0">
                 <a:solidFill>
                   <a:schemeClr val="bg1"/>
                 </a:solidFill>
+                <a:latin typeface="Assistant" panose="00000500000000000000" pitchFamily="2" charset="-79"/>
+                <a:cs typeface="Assistant" panose="00000500000000000000" pitchFamily="2" charset="-79"/>
               </a:rPr>
               <a:t>Prone to wander, Lord, I feel it;</a:t>
             </a:r>
@@ -3615,10 +3667,12 @@
           <a:p>
             <a:pPr algn="ctr"/>
             <a:r>
-              <a:rPr lang="en-US" sz="3600" dirty="0">
+              <a:rPr lang="en-US" sz="2800" spc="50" dirty="0">
                 <a:solidFill>
                   <a:schemeClr val="bg1"/>
                 </a:solidFill>
+                <a:latin typeface="Assistant" panose="00000500000000000000" pitchFamily="2" charset="-79"/>
+                <a:cs typeface="Assistant" panose="00000500000000000000" pitchFamily="2" charset="-79"/>
               </a:rPr>
               <a:t>Prone to leave the God I love.</a:t>
             </a:r>
@@ -3626,10 +3680,12 @@
           <a:p>
             <a:pPr algn="ctr"/>
             <a:r>
-              <a:rPr lang="en-US" sz="3600" dirty="0">
+              <a:rPr lang="en-US" sz="2800" spc="50" dirty="0">
                 <a:solidFill>
                   <a:schemeClr val="bg1"/>
                 </a:solidFill>
+                <a:latin typeface="Assistant" panose="00000500000000000000" pitchFamily="2" charset="-79"/>
+                <a:cs typeface="Assistant" panose="00000500000000000000" pitchFamily="2" charset="-79"/>
               </a:rPr>
               <a:t>Here's my heart; O, take and seal it—</a:t>
             </a:r>
@@ -3637,10 +3693,12 @@
           <a:p>
             <a:pPr algn="ctr"/>
             <a:r>
-              <a:rPr lang="en-US" sz="3600" dirty="0">
+              <a:rPr lang="en-US" sz="2800" spc="50" dirty="0">
                 <a:solidFill>
                   <a:schemeClr val="bg1"/>
                 </a:solidFill>
+                <a:latin typeface="Assistant" panose="00000500000000000000" pitchFamily="2" charset="-79"/>
+                <a:cs typeface="Assistant" panose="00000500000000000000" pitchFamily="2" charset="-79"/>
               </a:rPr>
               <a:t>Seal it for Thy courts above.</a:t>
             </a:r>
